--- a/Latex/Figures/Chapter3/fig_cyl_force.pptx
+++ b/Latex/Figures/Chapter3/fig_cyl_force.pptx
@@ -243,7 +243,7 @@
           <a:p>
             <a:fld id="{A8F48D5B-9275-4A08-B238-9C7CECCD580A}" type="datetimeFigureOut">
               <a:rPr lang="en-US" smtClean="0"/>
-              <a:t>5/25/2018</a:t>
+              <a:t>7/5/2019</a:t>
             </a:fld>
             <a:endParaRPr lang="en-US"/>
           </a:p>
@@ -413,7 +413,7 @@
           <a:p>
             <a:fld id="{A8F48D5B-9275-4A08-B238-9C7CECCD580A}" type="datetimeFigureOut">
               <a:rPr lang="en-US" smtClean="0"/>
-              <a:t>5/25/2018</a:t>
+              <a:t>7/5/2019</a:t>
             </a:fld>
             <a:endParaRPr lang="en-US"/>
           </a:p>
@@ -593,7 +593,7 @@
           <a:p>
             <a:fld id="{A8F48D5B-9275-4A08-B238-9C7CECCD580A}" type="datetimeFigureOut">
               <a:rPr lang="en-US" smtClean="0"/>
-              <a:t>5/25/2018</a:t>
+              <a:t>7/5/2019</a:t>
             </a:fld>
             <a:endParaRPr lang="en-US"/>
           </a:p>
@@ -763,7 +763,7 @@
           <a:p>
             <a:fld id="{A8F48D5B-9275-4A08-B238-9C7CECCD580A}" type="datetimeFigureOut">
               <a:rPr lang="en-US" smtClean="0"/>
-              <a:t>5/25/2018</a:t>
+              <a:t>7/5/2019</a:t>
             </a:fld>
             <a:endParaRPr lang="en-US"/>
           </a:p>
@@ -1007,7 +1007,7 @@
           <a:p>
             <a:fld id="{A8F48D5B-9275-4A08-B238-9C7CECCD580A}" type="datetimeFigureOut">
               <a:rPr lang="en-US" smtClean="0"/>
-              <a:t>5/25/2018</a:t>
+              <a:t>7/5/2019</a:t>
             </a:fld>
             <a:endParaRPr lang="en-US"/>
           </a:p>
@@ -1239,7 +1239,7 @@
           <a:p>
             <a:fld id="{A8F48D5B-9275-4A08-B238-9C7CECCD580A}" type="datetimeFigureOut">
               <a:rPr lang="en-US" smtClean="0"/>
-              <a:t>5/25/2018</a:t>
+              <a:t>7/5/2019</a:t>
             </a:fld>
             <a:endParaRPr lang="en-US"/>
           </a:p>
@@ -1606,7 +1606,7 @@
           <a:p>
             <a:fld id="{A8F48D5B-9275-4A08-B238-9C7CECCD580A}" type="datetimeFigureOut">
               <a:rPr lang="en-US" smtClean="0"/>
-              <a:t>5/25/2018</a:t>
+              <a:t>7/5/2019</a:t>
             </a:fld>
             <a:endParaRPr lang="en-US"/>
           </a:p>
@@ -1724,7 +1724,7 @@
           <a:p>
             <a:fld id="{A8F48D5B-9275-4A08-B238-9C7CECCD580A}" type="datetimeFigureOut">
               <a:rPr lang="en-US" smtClean="0"/>
-              <a:t>5/25/2018</a:t>
+              <a:t>7/5/2019</a:t>
             </a:fld>
             <a:endParaRPr lang="en-US"/>
           </a:p>
@@ -1819,7 +1819,7 @@
           <a:p>
             <a:fld id="{A8F48D5B-9275-4A08-B238-9C7CECCD580A}" type="datetimeFigureOut">
               <a:rPr lang="en-US" smtClean="0"/>
-              <a:t>5/25/2018</a:t>
+              <a:t>7/5/2019</a:t>
             </a:fld>
             <a:endParaRPr lang="en-US"/>
           </a:p>
@@ -2096,7 +2096,7 @@
           <a:p>
             <a:fld id="{A8F48D5B-9275-4A08-B238-9C7CECCD580A}" type="datetimeFigureOut">
               <a:rPr lang="en-US" smtClean="0"/>
-              <a:t>5/25/2018</a:t>
+              <a:t>7/5/2019</a:t>
             </a:fld>
             <a:endParaRPr lang="en-US"/>
           </a:p>
@@ -2353,7 +2353,7 @@
           <a:p>
             <a:fld id="{A8F48D5B-9275-4A08-B238-9C7CECCD580A}" type="datetimeFigureOut">
               <a:rPr lang="en-US" smtClean="0"/>
-              <a:t>5/25/2018</a:t>
+              <a:t>7/5/2019</a:t>
             </a:fld>
             <a:endParaRPr lang="en-US"/>
           </a:p>
@@ -2566,7 +2566,7 @@
           <a:p>
             <a:fld id="{A8F48D5B-9275-4A08-B238-9C7CECCD580A}" type="datetimeFigureOut">
               <a:rPr lang="en-US" smtClean="0"/>
-              <a:t>5/25/2018</a:t>
+              <a:t>7/5/2019</a:t>
             </a:fld>
             <a:endParaRPr lang="en-US"/>
           </a:p>
@@ -2979,8 +2979,8 @@
         </p:nvSpPr>
         <p:spPr>
           <a:xfrm>
-            <a:off x="1603285" y="242801"/>
-            <a:ext cx="287258" cy="369332"/>
+            <a:off x="1590460" y="242801"/>
+            <a:ext cx="300083" cy="369332"/>
           </a:xfrm>
           <a:prstGeom prst="rect">
             <a:avLst/>
@@ -2996,16 +2996,16 @@
             <a:pPr algn="r"/>
             <a:r>
               <a:rPr lang="en-US" i="1" dirty="0">
-                <a:latin typeface="Times New Roman" panose="02020603050405020304" pitchFamily="18" charset="0"/>
-                <a:ea typeface="Roboto" panose="02000000000000000000" pitchFamily="2" charset="0"/>
-                <a:cs typeface="Times New Roman" panose="02020603050405020304" pitchFamily="18" charset="0"/>
+                <a:latin typeface="Linux Libertine" panose="02000503000000000000" pitchFamily="2" charset="0"/>
+                <a:ea typeface="Linux Libertine" panose="02000503000000000000" pitchFamily="2" charset="0"/>
+                <a:cs typeface="Linux Libertine" panose="02000503000000000000" pitchFamily="2" charset="0"/>
               </a:rPr>
               <a:t>y</a:t>
             </a:r>
             <a:endParaRPr lang="en-US" sz="4001" i="1" dirty="0">
-              <a:latin typeface="Times New Roman" panose="02020603050405020304" pitchFamily="18" charset="0"/>
-              <a:ea typeface="Roboto" panose="02000000000000000000" pitchFamily="2" charset="0"/>
-              <a:cs typeface="Times New Roman" panose="02020603050405020304" pitchFamily="18" charset="0"/>
+              <a:latin typeface="Linux Libertine" panose="02000503000000000000" pitchFamily="2" charset="0"/>
+              <a:ea typeface="Linux Libertine" panose="02000503000000000000" pitchFamily="2" charset="0"/>
+              <a:cs typeface="Linux Libertine" panose="02000503000000000000" pitchFamily="2" charset="0"/>
             </a:endParaRPr>
           </a:p>
         </p:txBody>
@@ -3139,8 +3139,8 @@
         </p:nvSpPr>
         <p:spPr>
           <a:xfrm>
-            <a:off x="3086076" y="2062637"/>
-            <a:ext cx="287258" cy="369332"/>
+            <a:off x="3079663" y="2062637"/>
+            <a:ext cx="293671" cy="369332"/>
           </a:xfrm>
           <a:prstGeom prst="rect">
             <a:avLst/>
@@ -3156,16 +3156,16 @@
             <a:pPr algn="r"/>
             <a:r>
               <a:rPr lang="en-US" i="1" dirty="0">
-                <a:latin typeface="Times New Roman" panose="02020603050405020304" pitchFamily="18" charset="0"/>
-                <a:ea typeface="Roboto" panose="02000000000000000000" pitchFamily="2" charset="0"/>
-                <a:cs typeface="Times New Roman" panose="02020603050405020304" pitchFamily="18" charset="0"/>
+                <a:latin typeface="Linux Libertine" panose="02000503000000000000" pitchFamily="2" charset="0"/>
+                <a:ea typeface="Linux Libertine" panose="02000503000000000000" pitchFamily="2" charset="0"/>
+                <a:cs typeface="Linux Libertine" panose="02000503000000000000" pitchFamily="2" charset="0"/>
               </a:rPr>
               <a:t>x</a:t>
             </a:r>
             <a:endParaRPr lang="en-US" sz="4001" i="1" dirty="0">
-              <a:latin typeface="Times New Roman" panose="02020603050405020304" pitchFamily="18" charset="0"/>
-              <a:ea typeface="Roboto" panose="02000000000000000000" pitchFamily="2" charset="0"/>
-              <a:cs typeface="Times New Roman" panose="02020603050405020304" pitchFamily="18" charset="0"/>
+              <a:latin typeface="Linux Libertine" panose="02000503000000000000" pitchFamily="2" charset="0"/>
+              <a:ea typeface="Linux Libertine" panose="02000503000000000000" pitchFamily="2" charset="0"/>
+              <a:cs typeface="Linux Libertine" panose="02000503000000000000" pitchFamily="2" charset="0"/>
             </a:endParaRPr>
           </a:p>
         </p:txBody>
@@ -3232,16 +3232,16 @@
             <a:pPr algn="r"/>
             <a:r>
               <a:rPr lang="en-US" i="1" dirty="0">
-                <a:latin typeface="Times New Roman" panose="02020603050405020304" pitchFamily="18" charset="0"/>
-                <a:ea typeface="Roboto" panose="02000000000000000000" pitchFamily="2" charset="0"/>
-                <a:cs typeface="Times New Roman" panose="02020603050405020304" pitchFamily="18" charset="0"/>
+                <a:latin typeface="Linux Libertine" panose="02000503000000000000" pitchFamily="2" charset="0"/>
+                <a:ea typeface="Linux Libertine" panose="02000503000000000000" pitchFamily="2" charset="0"/>
+                <a:cs typeface="Linux Libertine" panose="02000503000000000000" pitchFamily="2" charset="0"/>
               </a:rPr>
               <a:t>a</a:t>
             </a:r>
             <a:endParaRPr lang="en-US" sz="4001" i="1" dirty="0">
-              <a:latin typeface="Times New Roman" panose="02020603050405020304" pitchFamily="18" charset="0"/>
-              <a:ea typeface="Roboto" panose="02000000000000000000" pitchFamily="2" charset="0"/>
-              <a:cs typeface="Times New Roman" panose="02020603050405020304" pitchFamily="18" charset="0"/>
+              <a:latin typeface="Linux Libertine" panose="02000503000000000000" pitchFamily="2" charset="0"/>
+              <a:ea typeface="Linux Libertine" panose="02000503000000000000" pitchFamily="2" charset="0"/>
+              <a:cs typeface="Linux Libertine" panose="02000503000000000000" pitchFamily="2" charset="0"/>
             </a:endParaRPr>
           </a:p>
         </p:txBody>
@@ -3289,8 +3289,8 @@
         </p:nvSpPr>
         <p:spPr>
           <a:xfrm>
-            <a:off x="1756769" y="1787967"/>
-            <a:ext cx="300082" cy="369332"/>
+            <a:off x="1769593" y="1787967"/>
+            <a:ext cx="287258" cy="369332"/>
           </a:xfrm>
           <a:prstGeom prst="rect">
             <a:avLst/>
@@ -3306,16 +3306,16 @@
             <a:pPr algn="r"/>
             <a:r>
               <a:rPr lang="el-GR" i="1" dirty="0" smtClean="0">
-                <a:latin typeface="Times New Roman" panose="02020603050405020304" pitchFamily="18" charset="0"/>
-                <a:ea typeface="Roboto" panose="02000000000000000000" pitchFamily="2" charset="0"/>
-                <a:cs typeface="Times New Roman" panose="02020603050405020304" pitchFamily="18" charset="0"/>
+                <a:latin typeface="Linux Libertine" panose="02000503000000000000" pitchFamily="2" charset="0"/>
+                <a:ea typeface="Linux Libertine" panose="02000503000000000000" pitchFamily="2" charset="0"/>
+                <a:cs typeface="Linux Libertine" panose="02000503000000000000" pitchFamily="2" charset="0"/>
               </a:rPr>
               <a:t>θ</a:t>
             </a:r>
             <a:endParaRPr lang="en-US" sz="4001" i="1" dirty="0">
-              <a:latin typeface="Times New Roman" panose="02020603050405020304" pitchFamily="18" charset="0"/>
-              <a:ea typeface="Roboto" panose="02000000000000000000" pitchFamily="2" charset="0"/>
-              <a:cs typeface="Times New Roman" panose="02020603050405020304" pitchFamily="18" charset="0"/>
+              <a:latin typeface="Linux Libertine" panose="02000503000000000000" pitchFamily="2" charset="0"/>
+              <a:ea typeface="Linux Libertine" panose="02000503000000000000" pitchFamily="2" charset="0"/>
+              <a:cs typeface="Linux Libertine" panose="02000503000000000000" pitchFamily="2" charset="0"/>
             </a:endParaRPr>
           </a:p>
         </p:txBody>
@@ -3345,24 +3345,24 @@
             <a:pPr algn="r"/>
             <a:r>
               <a:rPr lang="en-US" i="1" dirty="0" smtClean="0">
-                <a:latin typeface="Times New Roman" panose="02020603050405020304" pitchFamily="18" charset="0"/>
-                <a:ea typeface="Roboto" panose="02000000000000000000" pitchFamily="2" charset="0"/>
-                <a:cs typeface="Times New Roman" panose="02020603050405020304" pitchFamily="18" charset="0"/>
+                <a:latin typeface="Linux Libertine" panose="02000503000000000000" pitchFamily="2" charset="0"/>
+                <a:ea typeface="Linux Libertine" panose="02000503000000000000" pitchFamily="2" charset="0"/>
+                <a:cs typeface="Linux Libertine" panose="02000503000000000000" pitchFamily="2" charset="0"/>
               </a:rPr>
               <a:t>d</a:t>
             </a:r>
             <a:r>
               <a:rPr lang="el-GR" i="1" dirty="0" smtClean="0">
-                <a:latin typeface="Times New Roman" panose="02020603050405020304" pitchFamily="18" charset="0"/>
-                <a:ea typeface="Roboto" panose="02000000000000000000" pitchFamily="2" charset="0"/>
-                <a:cs typeface="Times New Roman" panose="02020603050405020304" pitchFamily="18" charset="0"/>
+                <a:latin typeface="Linux Libertine" panose="02000503000000000000" pitchFamily="2" charset="0"/>
+                <a:ea typeface="Linux Libertine" panose="02000503000000000000" pitchFamily="2" charset="0"/>
+                <a:cs typeface="Linux Libertine" panose="02000503000000000000" pitchFamily="2" charset="0"/>
               </a:rPr>
               <a:t>θ</a:t>
             </a:r>
             <a:endParaRPr lang="en-US" sz="4001" i="1" dirty="0">
-              <a:latin typeface="Times New Roman" panose="02020603050405020304" pitchFamily="18" charset="0"/>
-              <a:ea typeface="Roboto" panose="02000000000000000000" pitchFamily="2" charset="0"/>
-              <a:cs typeface="Times New Roman" panose="02020603050405020304" pitchFamily="18" charset="0"/>
+              <a:latin typeface="Linux Libertine" panose="02000503000000000000" pitchFamily="2" charset="0"/>
+              <a:ea typeface="Linux Libertine" panose="02000503000000000000" pitchFamily="2" charset="0"/>
+              <a:cs typeface="Linux Libertine" panose="02000503000000000000" pitchFamily="2" charset="0"/>
             </a:endParaRPr>
           </a:p>
         </p:txBody>
@@ -3580,8 +3580,8 @@
         </p:nvSpPr>
         <p:spPr>
           <a:xfrm>
-            <a:off x="2382956" y="689002"/>
-            <a:ext cx="453970" cy="369332"/>
+            <a:off x="2415016" y="689002"/>
+            <a:ext cx="421910" cy="369332"/>
           </a:xfrm>
           <a:prstGeom prst="rect">
             <a:avLst/>
@@ -3597,24 +3597,24 @@
             <a:pPr algn="r"/>
             <a:r>
               <a:rPr lang="en-US" i="1" dirty="0" err="1" smtClean="0">
-                <a:latin typeface="Times New Roman" panose="02020603050405020304" pitchFamily="18" charset="0"/>
-                <a:ea typeface="Roboto" panose="02000000000000000000" pitchFamily="2" charset="0"/>
-                <a:cs typeface="Times New Roman" panose="02020603050405020304" pitchFamily="18" charset="0"/>
+                <a:latin typeface="Linux Libertine" panose="02000503000000000000" pitchFamily="2" charset="0"/>
+                <a:ea typeface="Linux Libertine" panose="02000503000000000000" pitchFamily="2" charset="0"/>
+                <a:cs typeface="Linux Libertine" panose="02000503000000000000" pitchFamily="2" charset="0"/>
               </a:rPr>
               <a:t>d</a:t>
             </a:r>
             <a:r>
               <a:rPr lang="en-US" b="1" dirty="0" err="1" smtClean="0">
-                <a:latin typeface="Times New Roman" panose="02020603050405020304" pitchFamily="18" charset="0"/>
-                <a:ea typeface="Roboto" panose="02000000000000000000" pitchFamily="2" charset="0"/>
-                <a:cs typeface="Times New Roman" panose="02020603050405020304" pitchFamily="18" charset="0"/>
+                <a:latin typeface="Linux Libertine" panose="02000503000000000000" pitchFamily="2" charset="0"/>
+                <a:ea typeface="Linux Libertine" panose="02000503000000000000" pitchFamily="2" charset="0"/>
+                <a:cs typeface="Linux Libertine" panose="02000503000000000000" pitchFamily="2" charset="0"/>
               </a:rPr>
               <a:t>F</a:t>
             </a:r>
             <a:endParaRPr lang="en-US" sz="4001" b="1" dirty="0">
-              <a:latin typeface="Times New Roman" panose="02020603050405020304" pitchFamily="18" charset="0"/>
-              <a:ea typeface="Roboto" panose="02000000000000000000" pitchFamily="2" charset="0"/>
-              <a:cs typeface="Times New Roman" panose="02020603050405020304" pitchFamily="18" charset="0"/>
+              <a:latin typeface="Linux Libertine" panose="02000503000000000000" pitchFamily="2" charset="0"/>
+              <a:ea typeface="Linux Libertine" panose="02000503000000000000" pitchFamily="2" charset="0"/>
+              <a:cs typeface="Linux Libertine" panose="02000503000000000000" pitchFamily="2" charset="0"/>
             </a:endParaRPr>
           </a:p>
         </p:txBody>
@@ -3749,9 +3749,9 @@
         <p:grpSpPr>
           <a:xfrm>
             <a:off x="2769237" y="1006342"/>
-            <a:ext cx="300082" cy="428771"/>
+            <a:ext cx="313708" cy="428771"/>
             <a:chOff x="2566817" y="2174826"/>
-            <a:chExt cx="300082" cy="428771"/>
+            <a:chExt cx="313708" cy="428771"/>
           </a:xfrm>
         </p:grpSpPr>
         <p:sp>
@@ -3763,7 +3763,7 @@
           <p:spPr>
             <a:xfrm>
               <a:off x="2566817" y="2234265"/>
-              <a:ext cx="300082" cy="369332"/>
+              <a:ext cx="304892" cy="369332"/>
             </a:xfrm>
             <a:prstGeom prst="rect">
               <a:avLst/>
@@ -3778,16 +3778,16 @@
             <a:p>
               <a:r>
                 <a:rPr lang="en-US" i="1" dirty="0" smtClean="0">
-                  <a:latin typeface="Times New Roman" panose="02020603050405020304" pitchFamily="18" charset="0"/>
-                  <a:ea typeface="Roboto" panose="02000000000000000000" pitchFamily="2" charset="0"/>
-                  <a:cs typeface="Times New Roman" panose="02020603050405020304" pitchFamily="18" charset="0"/>
+                  <a:latin typeface="Linux Libertine" panose="02000503000000000000" pitchFamily="2" charset="0"/>
+                  <a:ea typeface="Linux Libertine" panose="02000503000000000000" pitchFamily="2" charset="0"/>
+                  <a:cs typeface="Linux Libertine" panose="02000503000000000000" pitchFamily="2" charset="0"/>
                 </a:rPr>
                 <a:t>n</a:t>
               </a:r>
               <a:endParaRPr lang="en-US" sz="4000" i="1" dirty="0">
-                <a:latin typeface="Times New Roman" panose="02020603050405020304" pitchFamily="18" charset="0"/>
-                <a:ea typeface="Roboto" panose="02000000000000000000" pitchFamily="2" charset="0"/>
-                <a:cs typeface="Times New Roman" panose="02020603050405020304" pitchFamily="18" charset="0"/>
+                <a:latin typeface="Linux Libertine" panose="02000503000000000000" pitchFamily="2" charset="0"/>
+                <a:ea typeface="Linux Libertine" panose="02000503000000000000" pitchFamily="2" charset="0"/>
+                <a:cs typeface="Linux Libertine" panose="02000503000000000000" pitchFamily="2" charset="0"/>
               </a:endParaRPr>
             </a:p>
           </p:txBody>
@@ -3801,7 +3801,7 @@
           <p:spPr>
             <a:xfrm>
               <a:off x="2575633" y="2174826"/>
-              <a:ext cx="282450" cy="369332"/>
+              <a:ext cx="304892" cy="369332"/>
             </a:xfrm>
             <a:prstGeom prst="rect">
               <a:avLst/>
@@ -3816,16 +3816,16 @@
             <a:p>
               <a:r>
                 <a:rPr lang="en-US" i="1" dirty="0" smtClean="0">
-                  <a:latin typeface="Times New Roman" panose="02020603050405020304" pitchFamily="18" charset="0"/>
-                  <a:ea typeface="Roboto" panose="02000000000000000000" pitchFamily="2" charset="0"/>
-                  <a:cs typeface="Times New Roman" panose="02020603050405020304" pitchFamily="18" charset="0"/>
+                  <a:latin typeface="Linux Libertine" panose="02000503000000000000" pitchFamily="2" charset="0"/>
+                  <a:ea typeface="Linux Libertine" panose="02000503000000000000" pitchFamily="2" charset="0"/>
+                  <a:cs typeface="Linux Libertine" panose="02000503000000000000" pitchFamily="2" charset="0"/>
                 </a:rPr>
                 <a:t>^</a:t>
               </a:r>
               <a:endParaRPr lang="en-US" sz="4000" i="1" dirty="0">
-                <a:latin typeface="Times New Roman" panose="02020603050405020304" pitchFamily="18" charset="0"/>
-                <a:ea typeface="Roboto" panose="02000000000000000000" pitchFamily="2" charset="0"/>
-                <a:cs typeface="Times New Roman" panose="02020603050405020304" pitchFamily="18" charset="0"/>
+                <a:latin typeface="Linux Libertine" panose="02000503000000000000" pitchFamily="2" charset="0"/>
+                <a:ea typeface="Linux Libertine" panose="02000503000000000000" pitchFamily="2" charset="0"/>
+                <a:cs typeface="Linux Libertine" panose="02000503000000000000" pitchFamily="2" charset="0"/>
               </a:endParaRPr>
             </a:p>
           </p:txBody>
@@ -3913,6 +3913,13 @@
   <p:clrMapOvr>
     <a:masterClrMapping/>
   </p:clrMapOvr>
+  <p:timing>
+    <p:tnLst>
+      <p:par>
+        <p:cTn id="1" dur="indefinite" restart="never" nodeType="tmRoot"/>
+      </p:par>
+    </p:tnLst>
+  </p:timing>
 </p:sld>
 </file>
 
